--- a/assets/banner.pptx
+++ b/assets/banner.pptx
@@ -6,7 +6,9 @@
   </p:sldMasterIdLst>
   <p:sldIdLst>
     <p:sldId id="256" r:id="rId2"/>
-    <p:sldId id="257" r:id="rId3"/>
+    <p:sldId id="258" r:id="rId3"/>
+    <p:sldId id="259" r:id="rId4"/>
+    <p:sldId id="257" r:id="rId5"/>
   </p:sldIdLst>
   <p:sldSz cx="18054638" cy="3419475"/>
   <p:notesSz cx="6858000" cy="9144000"/>
@@ -244,7 +246,7 @@
           <a:p>
             <a:fld id="{41DA6129-17F9-49F2-91EB-B725A99B9106}" type="datetimeFigureOut">
               <a:rPr lang="ru-RU" smtClean="0"/>
-              <a:t>26.10.2016</a:t>
+              <a:t>03.11.2016</a:t>
             </a:fld>
             <a:endParaRPr lang="ru-RU"/>
           </a:p>
@@ -414,7 +416,7 @@
           <a:p>
             <a:fld id="{41DA6129-17F9-49F2-91EB-B725A99B9106}" type="datetimeFigureOut">
               <a:rPr lang="ru-RU" smtClean="0"/>
-              <a:t>26.10.2016</a:t>
+              <a:t>03.11.2016</a:t>
             </a:fld>
             <a:endParaRPr lang="ru-RU"/>
           </a:p>
@@ -594,7 +596,7 @@
           <a:p>
             <a:fld id="{41DA6129-17F9-49F2-91EB-B725A99B9106}" type="datetimeFigureOut">
               <a:rPr lang="ru-RU" smtClean="0"/>
-              <a:t>26.10.2016</a:t>
+              <a:t>03.11.2016</a:t>
             </a:fld>
             <a:endParaRPr lang="ru-RU"/>
           </a:p>
@@ -764,7 +766,7 @@
           <a:p>
             <a:fld id="{41DA6129-17F9-49F2-91EB-B725A99B9106}" type="datetimeFigureOut">
               <a:rPr lang="ru-RU" smtClean="0"/>
-              <a:t>26.10.2016</a:t>
+              <a:t>03.11.2016</a:t>
             </a:fld>
             <a:endParaRPr lang="ru-RU"/>
           </a:p>
@@ -1010,7 +1012,7 @@
           <a:p>
             <a:fld id="{41DA6129-17F9-49F2-91EB-B725A99B9106}" type="datetimeFigureOut">
               <a:rPr lang="ru-RU" smtClean="0"/>
-              <a:t>26.10.2016</a:t>
+              <a:t>03.11.2016</a:t>
             </a:fld>
             <a:endParaRPr lang="ru-RU"/>
           </a:p>
@@ -1242,7 +1244,7 @@
           <a:p>
             <a:fld id="{41DA6129-17F9-49F2-91EB-B725A99B9106}" type="datetimeFigureOut">
               <a:rPr lang="ru-RU" smtClean="0"/>
-              <a:t>26.10.2016</a:t>
+              <a:t>03.11.2016</a:t>
             </a:fld>
             <a:endParaRPr lang="ru-RU"/>
           </a:p>
@@ -1609,7 +1611,7 @@
           <a:p>
             <a:fld id="{41DA6129-17F9-49F2-91EB-B725A99B9106}" type="datetimeFigureOut">
               <a:rPr lang="ru-RU" smtClean="0"/>
-              <a:t>26.10.2016</a:t>
+              <a:t>03.11.2016</a:t>
             </a:fld>
             <a:endParaRPr lang="ru-RU"/>
           </a:p>
@@ -1727,7 +1729,7 @@
           <a:p>
             <a:fld id="{41DA6129-17F9-49F2-91EB-B725A99B9106}" type="datetimeFigureOut">
               <a:rPr lang="ru-RU" smtClean="0"/>
-              <a:t>26.10.2016</a:t>
+              <a:t>03.11.2016</a:t>
             </a:fld>
             <a:endParaRPr lang="ru-RU"/>
           </a:p>
@@ -1822,7 +1824,7 @@
           <a:p>
             <a:fld id="{41DA6129-17F9-49F2-91EB-B725A99B9106}" type="datetimeFigureOut">
               <a:rPr lang="ru-RU" smtClean="0"/>
-              <a:t>26.10.2016</a:t>
+              <a:t>03.11.2016</a:t>
             </a:fld>
             <a:endParaRPr lang="ru-RU"/>
           </a:p>
@@ -2099,7 +2101,7 @@
           <a:p>
             <a:fld id="{41DA6129-17F9-49F2-91EB-B725A99B9106}" type="datetimeFigureOut">
               <a:rPr lang="ru-RU" smtClean="0"/>
-              <a:t>26.10.2016</a:t>
+              <a:t>03.11.2016</a:t>
             </a:fld>
             <a:endParaRPr lang="ru-RU"/>
           </a:p>
@@ -2356,7 +2358,7 @@
           <a:p>
             <a:fld id="{41DA6129-17F9-49F2-91EB-B725A99B9106}" type="datetimeFigureOut">
               <a:rPr lang="ru-RU" smtClean="0"/>
-              <a:t>26.10.2016</a:t>
+              <a:t>03.11.2016</a:t>
             </a:fld>
             <a:endParaRPr lang="ru-RU"/>
           </a:p>
@@ -2569,7 +2571,7 @@
           <a:p>
             <a:fld id="{41DA6129-17F9-49F2-91EB-B725A99B9106}" type="datetimeFigureOut">
               <a:rPr lang="ru-RU" smtClean="0"/>
-              <a:t>26.10.2016</a:t>
+              <a:t>03.11.2016</a:t>
             </a:fld>
             <a:endParaRPr lang="ru-RU"/>
           </a:p>
@@ -3182,6 +3184,173 @@
           <a:chExt cx="0" cy="0"/>
         </a:xfrm>
       </p:grpSpPr>
+      <p:pic>
+        <p:nvPicPr>
+          <p:cNvPr id="8" name="Рисунок 7"/>
+          <p:cNvPicPr>
+            <a:picLocks noChangeAspect="1"/>
+          </p:cNvPicPr>
+          <p:nvPr/>
+        </p:nvPicPr>
+        <p:blipFill rotWithShape="1">
+          <a:blip r:embed="rId2"/>
+          <a:srcRect t="32367" r="84937" b="46030"/>
+          <a:stretch/>
+        </p:blipFill>
+        <p:spPr>
+          <a:xfrm>
+            <a:off x="0" y="0"/>
+            <a:ext cx="18054638" cy="3419475"/>
+          </a:xfrm>
+          <a:prstGeom prst="rect">
+            <a:avLst/>
+          </a:prstGeom>
+        </p:spPr>
+      </p:pic>
+      <p:pic>
+        <p:nvPicPr>
+          <p:cNvPr id="2" name="Рисунок 1"/>
+          <p:cNvPicPr>
+            <a:picLocks noChangeAspect="1"/>
+          </p:cNvPicPr>
+          <p:nvPr/>
+        </p:nvPicPr>
+        <p:blipFill rotWithShape="1">
+          <a:blip r:embed="rId2"/>
+          <a:srcRect t="21902" r="1276" b="77085"/>
+          <a:stretch/>
+        </p:blipFill>
+        <p:spPr>
+          <a:xfrm>
+            <a:off x="0" y="-104171"/>
+            <a:ext cx="18054638" cy="393538"/>
+          </a:xfrm>
+          <a:prstGeom prst="rect">
+            <a:avLst/>
+          </a:prstGeom>
+        </p:spPr>
+      </p:pic>
+      <p:pic>
+        <p:nvPicPr>
+          <p:cNvPr id="3" name="Рисунок 2"/>
+          <p:cNvPicPr>
+            <a:picLocks noChangeAspect="1"/>
+          </p:cNvPicPr>
+          <p:nvPr/>
+        </p:nvPicPr>
+        <p:blipFill rotWithShape="1">
+          <a:blip r:embed="rId3"/>
+          <a:srcRect l="11651" t="35067" r="13919" b="49068"/>
+          <a:stretch/>
+        </p:blipFill>
+        <p:spPr>
+          <a:xfrm>
+            <a:off x="2384385" y="893721"/>
+            <a:ext cx="13611828" cy="1632032"/>
+          </a:xfrm>
+          <a:prstGeom prst="rect">
+            <a:avLst/>
+          </a:prstGeom>
+        </p:spPr>
+      </p:pic>
+    </p:spTree>
+    <p:extLst>
+      <p:ext uri="{BB962C8B-B14F-4D97-AF65-F5344CB8AC3E}">
+        <p14:creationId xmlns:p14="http://schemas.microsoft.com/office/powerpoint/2010/main" val="767498765"/>
+      </p:ext>
+    </p:extLst>
+  </p:cSld>
+  <p:clrMapOvr>
+    <a:masterClrMapping/>
+  </p:clrMapOvr>
+</p:sld>
+</file>
+
+<file path=ppt/slides/slide3.xml><?xml version="1.0" encoding="utf-8"?>
+<p:sld xmlns:a="http://schemas.openxmlformats.org/drawingml/2006/main" xmlns:r="http://schemas.openxmlformats.org/officeDocument/2006/relationships" xmlns:p="http://schemas.openxmlformats.org/presentationml/2006/main">
+  <p:cSld>
+    <p:spTree>
+      <p:nvGrpSpPr>
+        <p:cNvPr id="1" name=""/>
+        <p:cNvGrpSpPr/>
+        <p:nvPr/>
+      </p:nvGrpSpPr>
+      <p:grpSpPr>
+        <a:xfrm>
+          <a:off x="0" y="0"/>
+          <a:ext cx="0" cy="0"/>
+          <a:chOff x="0" y="0"/>
+          <a:chExt cx="0" cy="0"/>
+        </a:xfrm>
+      </p:grpSpPr>
+      <p:sp>
+        <p:nvSpPr>
+          <p:cNvPr id="2" name="Заголовок 1"/>
+          <p:cNvSpPr>
+            <a:spLocks noGrp="1"/>
+          </p:cNvSpPr>
+          <p:nvPr>
+            <p:ph type="title"/>
+          </p:nvPr>
+        </p:nvSpPr>
+        <p:spPr/>
+        <p:txBody>
+          <a:bodyPr/>
+          <a:lstStyle/>
+          <a:p>
+            <a:endParaRPr lang="ru-RU"/>
+          </a:p>
+        </p:txBody>
+      </p:sp>
+      <p:sp>
+        <p:nvSpPr>
+          <p:cNvPr id="3" name="Объект 2"/>
+          <p:cNvSpPr>
+            <a:spLocks noGrp="1"/>
+          </p:cNvSpPr>
+          <p:nvPr>
+            <p:ph idx="1"/>
+          </p:nvPr>
+        </p:nvSpPr>
+        <p:spPr/>
+        <p:txBody>
+          <a:bodyPr/>
+          <a:lstStyle/>
+          <a:p>
+            <a:endParaRPr lang="ru-RU"/>
+          </a:p>
+        </p:txBody>
+      </p:sp>
+    </p:spTree>
+    <p:extLst>
+      <p:ext uri="{BB962C8B-B14F-4D97-AF65-F5344CB8AC3E}">
+        <p14:creationId xmlns:p14="http://schemas.microsoft.com/office/powerpoint/2010/main" val="1493663752"/>
+      </p:ext>
+    </p:extLst>
+  </p:cSld>
+  <p:clrMapOvr>
+    <a:masterClrMapping/>
+  </p:clrMapOvr>
+</p:sld>
+</file>
+
+<file path=ppt/slides/slide4.xml><?xml version="1.0" encoding="utf-8"?>
+<p:sld xmlns:a="http://schemas.openxmlformats.org/drawingml/2006/main" xmlns:r="http://schemas.openxmlformats.org/officeDocument/2006/relationships" xmlns:p="http://schemas.openxmlformats.org/presentationml/2006/main">
+  <p:cSld>
+    <p:spTree>
+      <p:nvGrpSpPr>
+        <p:cNvPr id="1" name=""/>
+        <p:cNvGrpSpPr/>
+        <p:nvPr/>
+      </p:nvGrpSpPr>
+      <p:grpSpPr>
+        <a:xfrm>
+          <a:off x="0" y="0"/>
+          <a:ext cx="0" cy="0"/>
+          <a:chOff x="0" y="0"/>
+          <a:chExt cx="0" cy="0"/>
+        </a:xfrm>
+      </p:grpSpPr>
       <p:sp>
         <p:nvSpPr>
           <p:cNvPr id="4" name="Прямоугольник 3"/>
